--- a/Img/图.pptx
+++ b/Img/图.pptx
@@ -3764,18 +3764,13 @@
           <a:p>
             <a:pPr algn="ctr"/>
             <a:r>
-              <a:rPr lang="en-US" altLang="zh-CN" dirty="0" err="1">
+              <a:rPr lang="en-US" altLang="zh-CN" dirty="0">
                 <a:solidFill>
                   <a:schemeClr val="tx1"/>
                 </a:solidFill>
               </a:rPr>
-              <a:t>Cmake</a:t>
-            </a:r>
-            <a:endParaRPr lang="en-US" altLang="zh-CN" dirty="0">
-              <a:solidFill>
-                <a:schemeClr val="tx1"/>
-              </a:solidFill>
-            </a:endParaRPr>
+              <a:t>make</a:t>
+            </a:r>
           </a:p>
           <a:p>
             <a:pPr algn="ctr"/>

--- a/Img/图.pptx
+++ b/Img/图.pptx
@@ -6,6 +6,7 @@
   </p:sldMasterIdLst>
   <p:sldIdLst>
     <p:sldId id="256" r:id="rId2"/>
+    <p:sldId id="257" r:id="rId3"/>
   </p:sldIdLst>
   <p:sldSz cx="12192000" cy="6858000"/>
   <p:notesSz cx="6858000" cy="9144000"/>
@@ -259,7 +260,7 @@
           <a:p>
             <a:fld id="{9808A33F-F1ED-4C69-81C8-F925325953F1}" type="datetimeFigureOut">
               <a:rPr lang="zh-CN" altLang="en-US" smtClean="0"/>
-              <a:t>2019/7/13</a:t>
+              <a:t>2019/7/18</a:t>
             </a:fld>
             <a:endParaRPr lang="zh-CN" altLang="en-US"/>
           </a:p>
@@ -457,7 +458,7 @@
           <a:p>
             <a:fld id="{9808A33F-F1ED-4C69-81C8-F925325953F1}" type="datetimeFigureOut">
               <a:rPr lang="zh-CN" altLang="en-US" smtClean="0"/>
-              <a:t>2019/7/13</a:t>
+              <a:t>2019/7/18</a:t>
             </a:fld>
             <a:endParaRPr lang="zh-CN" altLang="en-US"/>
           </a:p>
@@ -665,7 +666,7 @@
           <a:p>
             <a:fld id="{9808A33F-F1ED-4C69-81C8-F925325953F1}" type="datetimeFigureOut">
               <a:rPr lang="zh-CN" altLang="en-US" smtClean="0"/>
-              <a:t>2019/7/13</a:t>
+              <a:t>2019/7/18</a:t>
             </a:fld>
             <a:endParaRPr lang="zh-CN" altLang="en-US"/>
           </a:p>
@@ -863,7 +864,7 @@
           <a:p>
             <a:fld id="{9808A33F-F1ED-4C69-81C8-F925325953F1}" type="datetimeFigureOut">
               <a:rPr lang="zh-CN" altLang="en-US" smtClean="0"/>
-              <a:t>2019/7/13</a:t>
+              <a:t>2019/7/18</a:t>
             </a:fld>
             <a:endParaRPr lang="zh-CN" altLang="en-US"/>
           </a:p>
@@ -1138,7 +1139,7 @@
           <a:p>
             <a:fld id="{9808A33F-F1ED-4C69-81C8-F925325953F1}" type="datetimeFigureOut">
               <a:rPr lang="zh-CN" altLang="en-US" smtClean="0"/>
-              <a:t>2019/7/13</a:t>
+              <a:t>2019/7/18</a:t>
             </a:fld>
             <a:endParaRPr lang="zh-CN" altLang="en-US"/>
           </a:p>
@@ -1403,7 +1404,7 @@
           <a:p>
             <a:fld id="{9808A33F-F1ED-4C69-81C8-F925325953F1}" type="datetimeFigureOut">
               <a:rPr lang="zh-CN" altLang="en-US" smtClean="0"/>
-              <a:t>2019/7/13</a:t>
+              <a:t>2019/7/18</a:t>
             </a:fld>
             <a:endParaRPr lang="zh-CN" altLang="en-US"/>
           </a:p>
@@ -1815,7 +1816,7 @@
           <a:p>
             <a:fld id="{9808A33F-F1ED-4C69-81C8-F925325953F1}" type="datetimeFigureOut">
               <a:rPr lang="zh-CN" altLang="en-US" smtClean="0"/>
-              <a:t>2019/7/13</a:t>
+              <a:t>2019/7/18</a:t>
             </a:fld>
             <a:endParaRPr lang="zh-CN" altLang="en-US"/>
           </a:p>
@@ -1956,7 +1957,7 @@
           <a:p>
             <a:fld id="{9808A33F-F1ED-4C69-81C8-F925325953F1}" type="datetimeFigureOut">
               <a:rPr lang="zh-CN" altLang="en-US" smtClean="0"/>
-              <a:t>2019/7/13</a:t>
+              <a:t>2019/7/18</a:t>
             </a:fld>
             <a:endParaRPr lang="zh-CN" altLang="en-US"/>
           </a:p>
@@ -2069,7 +2070,7 @@
           <a:p>
             <a:fld id="{9808A33F-F1ED-4C69-81C8-F925325953F1}" type="datetimeFigureOut">
               <a:rPr lang="zh-CN" altLang="en-US" smtClean="0"/>
-              <a:t>2019/7/13</a:t>
+              <a:t>2019/7/18</a:t>
             </a:fld>
             <a:endParaRPr lang="zh-CN" altLang="en-US"/>
           </a:p>
@@ -2380,7 +2381,7 @@
           <a:p>
             <a:fld id="{9808A33F-F1ED-4C69-81C8-F925325953F1}" type="datetimeFigureOut">
               <a:rPr lang="zh-CN" altLang="en-US" smtClean="0"/>
-              <a:t>2019/7/13</a:t>
+              <a:t>2019/7/18</a:t>
             </a:fld>
             <a:endParaRPr lang="zh-CN" altLang="en-US"/>
           </a:p>
@@ -2668,7 +2669,7 @@
           <a:p>
             <a:fld id="{9808A33F-F1ED-4C69-81C8-F925325953F1}" type="datetimeFigureOut">
               <a:rPr lang="zh-CN" altLang="en-US" smtClean="0"/>
-              <a:t>2019/7/13</a:t>
+              <a:t>2019/7/18</a:t>
             </a:fld>
             <a:endParaRPr lang="zh-CN" altLang="en-US"/>
           </a:p>
@@ -2909,7 +2910,7 @@
           <a:p>
             <a:fld id="{9808A33F-F1ED-4C69-81C8-F925325953F1}" type="datetimeFigureOut">
               <a:rPr lang="zh-CN" altLang="en-US" smtClean="0"/>
-              <a:t>2019/7/13</a:t>
+              <a:t>2019/7/18</a:t>
             </a:fld>
             <a:endParaRPr lang="zh-CN" altLang="en-US"/>
           </a:p>
@@ -4582,6 +4583,1307 @@
 </p:sld>
 </file>
 
+<file path=ppt/slides/slide2.xml><?xml version="1.0" encoding="utf-8"?>
+<p:sld xmlns:a="http://schemas.openxmlformats.org/drawingml/2006/main" xmlns:r="http://schemas.openxmlformats.org/officeDocument/2006/relationships" xmlns:p="http://schemas.openxmlformats.org/presentationml/2006/main">
+  <p:cSld>
+    <p:spTree>
+      <p:nvGrpSpPr>
+        <p:cNvPr id="1" name=""/>
+        <p:cNvGrpSpPr/>
+        <p:nvPr/>
+      </p:nvGrpSpPr>
+      <p:grpSpPr>
+        <a:xfrm>
+          <a:off x="0" y="0"/>
+          <a:ext cx="0" cy="0"/>
+          <a:chOff x="0" y="0"/>
+          <a:chExt cx="0" cy="0"/>
+        </a:xfrm>
+      </p:grpSpPr>
+      <p:grpSp>
+        <p:nvGrpSpPr>
+          <p:cNvPr id="14" name="组合 13">
+            <a:extLst>
+              <a:ext uri="{FF2B5EF4-FFF2-40B4-BE49-F238E27FC236}">
+                <a16:creationId xmlns:a16="http://schemas.microsoft.com/office/drawing/2014/main" id="{521A0F31-4A46-4412-997E-EB822F0A6DE7}"/>
+              </a:ext>
+            </a:extLst>
+          </p:cNvPr>
+          <p:cNvGrpSpPr/>
+          <p:nvPr/>
+        </p:nvGrpSpPr>
+        <p:grpSpPr>
+          <a:xfrm>
+            <a:off x="3310799" y="773418"/>
+            <a:ext cx="4117216" cy="646331"/>
+            <a:chOff x="3306656" y="699698"/>
+            <a:chExt cx="4117216" cy="646331"/>
+          </a:xfrm>
+        </p:grpSpPr>
+        <p:sp>
+          <p:nvSpPr>
+            <p:cNvPr id="4" name="文本框 3">
+              <a:extLst>
+                <a:ext uri="{FF2B5EF4-FFF2-40B4-BE49-F238E27FC236}">
+                  <a16:creationId xmlns:a16="http://schemas.microsoft.com/office/drawing/2014/main" id="{39407B8E-B81A-4298-B9C9-5283618AACED}"/>
+                </a:ext>
+              </a:extLst>
+            </p:cNvPr>
+            <p:cNvSpPr txBox="1"/>
+            <p:nvPr/>
+          </p:nvSpPr>
+          <p:spPr>
+            <a:xfrm>
+              <a:off x="3306656" y="838197"/>
+              <a:ext cx="1197764" cy="369332"/>
+            </a:xfrm>
+            <a:prstGeom prst="rect">
+              <a:avLst/>
+            </a:prstGeom>
+            <a:noFill/>
+          </p:spPr>
+          <p:txBody>
+            <a:bodyPr wrap="none" rtlCol="0">
+              <a:spAutoFit/>
+            </a:bodyPr>
+            <a:lstStyle/>
+            <a:p>
+              <a:r>
+                <a:rPr lang="en-US" altLang="zh-CN" dirty="0"/>
+                <a:t>SIMD</a:t>
+              </a:r>
+              <a:r>
+                <a:rPr lang="zh-CN" altLang="en-US" dirty="0"/>
+                <a:t>概念</a:t>
+              </a:r>
+            </a:p>
+          </p:txBody>
+        </p:sp>
+        <p:sp>
+          <p:nvSpPr>
+            <p:cNvPr id="7" name="文本框 6">
+              <a:extLst>
+                <a:ext uri="{FF2B5EF4-FFF2-40B4-BE49-F238E27FC236}">
+                  <a16:creationId xmlns:a16="http://schemas.microsoft.com/office/drawing/2014/main" id="{4AF7CBBA-FCA2-4695-9DB1-4E175C496719}"/>
+                </a:ext>
+              </a:extLst>
+            </p:cNvPr>
+            <p:cNvSpPr txBox="1"/>
+            <p:nvPr/>
+          </p:nvSpPr>
+          <p:spPr>
+            <a:xfrm>
+              <a:off x="4626311" y="699698"/>
+              <a:ext cx="2797561" cy="646331"/>
+            </a:xfrm>
+            <a:prstGeom prst="rect">
+              <a:avLst/>
+            </a:prstGeom>
+            <a:noFill/>
+          </p:spPr>
+          <p:txBody>
+            <a:bodyPr wrap="none" rtlCol="0">
+              <a:spAutoFit/>
+            </a:bodyPr>
+            <a:lstStyle/>
+            <a:p>
+              <a:r>
+                <a:rPr lang="en-US" altLang="zh-CN" dirty="0"/>
+                <a:t>SIMD</a:t>
+              </a:r>
+              <a:r>
+                <a:rPr lang="zh-CN" altLang="en-US" dirty="0"/>
+                <a:t>是什么</a:t>
+              </a:r>
+              <a:endParaRPr lang="en-US" altLang="zh-CN" dirty="0"/>
+            </a:p>
+            <a:p>
+              <a:r>
+                <a:rPr lang="en-US" altLang="zh-CN" dirty="0"/>
+                <a:t>SIMD</a:t>
+              </a:r>
+              <a:r>
+                <a:rPr lang="zh-CN" altLang="en-US" dirty="0"/>
+                <a:t>与线程并行的异同点</a:t>
+              </a:r>
+            </a:p>
+          </p:txBody>
+        </p:sp>
+        <p:sp>
+          <p:nvSpPr>
+            <p:cNvPr id="13" name="左大括号 12">
+              <a:extLst>
+                <a:ext uri="{FF2B5EF4-FFF2-40B4-BE49-F238E27FC236}">
+                  <a16:creationId xmlns:a16="http://schemas.microsoft.com/office/drawing/2014/main" id="{E518BA37-4A63-4C54-99EF-EAFA5EEF8819}"/>
+                </a:ext>
+              </a:extLst>
+            </p:cNvPr>
+            <p:cNvSpPr/>
+            <p:nvPr/>
+          </p:nvSpPr>
+          <p:spPr>
+            <a:xfrm>
+              <a:off x="4440237" y="699698"/>
+              <a:ext cx="186074" cy="646331"/>
+            </a:xfrm>
+            <a:prstGeom prst="leftBrace">
+              <a:avLst>
+                <a:gd name="adj1" fmla="val 86838"/>
+                <a:gd name="adj2" fmla="val 50000"/>
+              </a:avLst>
+            </a:prstGeom>
+          </p:spPr>
+          <p:style>
+            <a:lnRef idx="1">
+              <a:schemeClr val="dk1"/>
+            </a:lnRef>
+            <a:fillRef idx="0">
+              <a:schemeClr val="dk1"/>
+            </a:fillRef>
+            <a:effectRef idx="0">
+              <a:schemeClr val="dk1"/>
+            </a:effectRef>
+            <a:fontRef idx="minor">
+              <a:schemeClr val="tx1"/>
+            </a:fontRef>
+          </p:style>
+          <p:txBody>
+            <a:bodyPr rtlCol="0" anchor="ctr"/>
+            <a:lstStyle/>
+            <a:p>
+              <a:pPr algn="ctr"/>
+              <a:endParaRPr lang="zh-CN" altLang="en-US" dirty="0"/>
+            </a:p>
+          </p:txBody>
+        </p:sp>
+      </p:grpSp>
+      <p:grpSp>
+        <p:nvGrpSpPr>
+          <p:cNvPr id="33" name="组合 32">
+            <a:extLst>
+              <a:ext uri="{FF2B5EF4-FFF2-40B4-BE49-F238E27FC236}">
+                <a16:creationId xmlns:a16="http://schemas.microsoft.com/office/drawing/2014/main" id="{1E75056F-58A1-48B2-AE70-F793C425FA61}"/>
+              </a:ext>
+            </a:extLst>
+          </p:cNvPr>
+          <p:cNvGrpSpPr/>
+          <p:nvPr/>
+        </p:nvGrpSpPr>
+        <p:grpSpPr>
+          <a:xfrm>
+            <a:off x="2860568" y="1708790"/>
+            <a:ext cx="6244296" cy="923330"/>
+            <a:chOff x="4762295" y="2646802"/>
+            <a:chExt cx="6244296" cy="923330"/>
+          </a:xfrm>
+        </p:grpSpPr>
+        <p:grpSp>
+          <p:nvGrpSpPr>
+            <p:cNvPr id="20" name="组合 19">
+              <a:extLst>
+                <a:ext uri="{FF2B5EF4-FFF2-40B4-BE49-F238E27FC236}">
+                  <a16:creationId xmlns:a16="http://schemas.microsoft.com/office/drawing/2014/main" id="{4CBC29A4-00D8-44A0-8CB9-C017BB9D31DC}"/>
+                </a:ext>
+              </a:extLst>
+            </p:cNvPr>
+            <p:cNvGrpSpPr/>
+            <p:nvPr/>
+          </p:nvGrpSpPr>
+          <p:grpSpPr>
+            <a:xfrm>
+              <a:off x="4762295" y="2661981"/>
+              <a:ext cx="3828431" cy="646331"/>
+              <a:chOff x="4789403" y="2643557"/>
+              <a:chExt cx="3828431" cy="646331"/>
+            </a:xfrm>
+          </p:grpSpPr>
+          <p:sp>
+            <p:nvSpPr>
+              <p:cNvPr id="5" name="文本框 4">
+                <a:extLst>
+                  <a:ext uri="{FF2B5EF4-FFF2-40B4-BE49-F238E27FC236}">
+                    <a16:creationId xmlns:a16="http://schemas.microsoft.com/office/drawing/2014/main" id="{FE161A2C-DF97-47C2-ABD8-F6F02363D62D}"/>
+                  </a:ext>
+                </a:extLst>
+              </p:cNvPr>
+              <p:cNvSpPr txBox="1"/>
+              <p:nvPr/>
+            </p:nvSpPr>
+            <p:spPr>
+              <a:xfrm>
+                <a:off x="4789403" y="2782056"/>
+                <a:ext cx="1643399" cy="369332"/>
+              </a:xfrm>
+              <a:prstGeom prst="rect">
+                <a:avLst/>
+              </a:prstGeom>
+              <a:noFill/>
+            </p:spPr>
+            <p:txBody>
+              <a:bodyPr wrap="none" rtlCol="0">
+                <a:spAutoFit/>
+              </a:bodyPr>
+              <a:lstStyle/>
+              <a:p>
+                <a:r>
+                  <a:rPr lang="en-US" altLang="zh-CN" dirty="0"/>
+                  <a:t>SIMD</a:t>
+                </a:r>
+                <a:r>
+                  <a:rPr lang="zh-CN" altLang="en-US" dirty="0"/>
+                  <a:t>扩展类型</a:t>
+                </a:r>
+              </a:p>
+            </p:txBody>
+          </p:sp>
+          <p:sp>
+            <p:nvSpPr>
+              <p:cNvPr id="11" name="文本框 10">
+                <a:extLst>
+                  <a:ext uri="{FF2B5EF4-FFF2-40B4-BE49-F238E27FC236}">
+                    <a16:creationId xmlns:a16="http://schemas.microsoft.com/office/drawing/2014/main" id="{B33C7667-0345-4470-B692-8A1AE7A2AB92}"/>
+                  </a:ext>
+                </a:extLst>
+              </p:cNvPr>
+              <p:cNvSpPr txBox="1"/>
+              <p:nvPr/>
+            </p:nvSpPr>
+            <p:spPr>
+              <a:xfrm>
+                <a:off x="6586509" y="2643557"/>
+                <a:ext cx="2031325" cy="646331"/>
+              </a:xfrm>
+              <a:prstGeom prst="rect">
+                <a:avLst/>
+              </a:prstGeom>
+              <a:noFill/>
+            </p:spPr>
+            <p:txBody>
+              <a:bodyPr wrap="none" rtlCol="0">
+                <a:spAutoFit/>
+              </a:bodyPr>
+              <a:lstStyle/>
+              <a:p>
+                <a:r>
+                  <a:rPr lang="zh-CN" altLang="en-US" dirty="0"/>
+                  <a:t>扩展类型的本质</a:t>
+                </a:r>
+                <a:endParaRPr lang="en-US" altLang="zh-CN" dirty="0"/>
+              </a:p>
+              <a:p>
+                <a:r>
+                  <a:rPr lang="zh-CN" altLang="en-US" dirty="0"/>
+                  <a:t>数据类型转换规则</a:t>
+                </a:r>
+              </a:p>
+            </p:txBody>
+          </p:sp>
+          <p:sp>
+            <p:nvSpPr>
+              <p:cNvPr id="18" name="左大括号 17">
+                <a:extLst>
+                  <a:ext uri="{FF2B5EF4-FFF2-40B4-BE49-F238E27FC236}">
+                    <a16:creationId xmlns:a16="http://schemas.microsoft.com/office/drawing/2014/main" id="{E3419C26-1B06-4357-B676-0A47B8000C6A}"/>
+                  </a:ext>
+                </a:extLst>
+              </p:cNvPr>
+              <p:cNvSpPr/>
+              <p:nvPr/>
+            </p:nvSpPr>
+            <p:spPr>
+              <a:xfrm>
+                <a:off x="6400435" y="2643557"/>
+                <a:ext cx="186074" cy="646331"/>
+              </a:xfrm>
+              <a:prstGeom prst="leftBrace">
+                <a:avLst>
+                  <a:gd name="adj1" fmla="val 86838"/>
+                  <a:gd name="adj2" fmla="val 50000"/>
+                </a:avLst>
+              </a:prstGeom>
+            </p:spPr>
+            <p:style>
+              <a:lnRef idx="1">
+                <a:schemeClr val="dk1"/>
+              </a:lnRef>
+              <a:fillRef idx="0">
+                <a:schemeClr val="dk1"/>
+              </a:fillRef>
+              <a:effectRef idx="0">
+                <a:schemeClr val="dk1"/>
+              </a:effectRef>
+              <a:fontRef idx="minor">
+                <a:schemeClr val="tx1"/>
+              </a:fontRef>
+            </p:style>
+            <p:txBody>
+              <a:bodyPr rtlCol="0" anchor="ctr"/>
+              <a:lstStyle/>
+              <a:p>
+                <a:pPr algn="ctr"/>
+                <a:endParaRPr lang="zh-CN" altLang="en-US" dirty="0"/>
+              </a:p>
+            </p:txBody>
+          </p:sp>
+        </p:grpSp>
+        <p:sp>
+          <p:nvSpPr>
+            <p:cNvPr id="27" name="文本框 26">
+              <a:extLst>
+                <a:ext uri="{FF2B5EF4-FFF2-40B4-BE49-F238E27FC236}">
+                  <a16:creationId xmlns:a16="http://schemas.microsoft.com/office/drawing/2014/main" id="{CFFE8952-9A0C-46F1-A3F9-A289E0E5831B}"/>
+                </a:ext>
+              </a:extLst>
+            </p:cNvPr>
+            <p:cNvSpPr txBox="1"/>
+            <p:nvPr/>
+          </p:nvSpPr>
+          <p:spPr>
+            <a:xfrm>
+              <a:off x="8744433" y="2646802"/>
+              <a:ext cx="2262158" cy="923330"/>
+            </a:xfrm>
+            <a:prstGeom prst="rect">
+              <a:avLst/>
+            </a:prstGeom>
+            <a:noFill/>
+          </p:spPr>
+          <p:txBody>
+            <a:bodyPr wrap="none" rtlCol="0">
+              <a:spAutoFit/>
+            </a:bodyPr>
+            <a:lstStyle/>
+            <a:p>
+              <a:r>
+                <a:rPr lang="zh-CN" altLang="en-US" dirty="0"/>
+                <a:t>标准类型</a:t>
+              </a:r>
+              <a:r>
+                <a:rPr lang="en-US" altLang="zh-CN" dirty="0"/>
+                <a:t>→</a:t>
+              </a:r>
+              <a:r>
+                <a:rPr lang="zh-CN" altLang="en-US" dirty="0"/>
+                <a:t>扩展类型</a:t>
+              </a:r>
+              <a:endParaRPr lang="en-US" altLang="zh-CN" dirty="0"/>
+            </a:p>
+            <a:p>
+              <a:r>
+                <a:rPr lang="zh-CN" altLang="en-US" dirty="0"/>
+                <a:t>扩展类型</a:t>
+              </a:r>
+              <a:r>
+                <a:rPr lang="en-US" altLang="zh-CN" dirty="0"/>
+                <a:t>→</a:t>
+              </a:r>
+              <a:r>
+                <a:rPr lang="zh-CN" altLang="en-US" dirty="0"/>
+                <a:t>扩展类型</a:t>
+              </a:r>
+              <a:endParaRPr lang="en-US" altLang="zh-CN" dirty="0"/>
+            </a:p>
+            <a:p>
+              <a:r>
+                <a:rPr lang="zh-CN" altLang="en-US" dirty="0"/>
+                <a:t>扩展类型</a:t>
+              </a:r>
+              <a:r>
+                <a:rPr lang="en-US" altLang="zh-CN" dirty="0"/>
+                <a:t>→</a:t>
+              </a:r>
+              <a:r>
+                <a:rPr lang="zh-CN" altLang="en-US" dirty="0"/>
+                <a:t>标准类型</a:t>
+              </a:r>
+              <a:endParaRPr lang="en-US" altLang="zh-CN" dirty="0"/>
+            </a:p>
+          </p:txBody>
+        </p:sp>
+        <p:sp>
+          <p:nvSpPr>
+            <p:cNvPr id="28" name="左大括号 27">
+              <a:extLst>
+                <a:ext uri="{FF2B5EF4-FFF2-40B4-BE49-F238E27FC236}">
+                  <a16:creationId xmlns:a16="http://schemas.microsoft.com/office/drawing/2014/main" id="{A9386A49-8D67-4D86-A6F5-7BA589BCCE30}"/>
+                </a:ext>
+              </a:extLst>
+            </p:cNvPr>
+            <p:cNvSpPr/>
+            <p:nvPr/>
+          </p:nvSpPr>
+          <p:spPr>
+            <a:xfrm>
+              <a:off x="8558359" y="2646802"/>
+              <a:ext cx="186074" cy="923330"/>
+            </a:xfrm>
+            <a:prstGeom prst="leftBrace">
+              <a:avLst>
+                <a:gd name="adj1" fmla="val 86838"/>
+                <a:gd name="adj2" fmla="val 50000"/>
+              </a:avLst>
+            </a:prstGeom>
+          </p:spPr>
+          <p:style>
+            <a:lnRef idx="1">
+              <a:schemeClr val="dk1"/>
+            </a:lnRef>
+            <a:fillRef idx="0">
+              <a:schemeClr val="dk1"/>
+            </a:fillRef>
+            <a:effectRef idx="0">
+              <a:schemeClr val="dk1"/>
+            </a:effectRef>
+            <a:fontRef idx="minor">
+              <a:schemeClr val="tx1"/>
+            </a:fontRef>
+          </p:style>
+          <p:txBody>
+            <a:bodyPr rtlCol="0" anchor="ctr"/>
+            <a:lstStyle/>
+            <a:p>
+              <a:pPr algn="ctr"/>
+              <a:endParaRPr lang="zh-CN" altLang="en-US" dirty="0"/>
+            </a:p>
+          </p:txBody>
+        </p:sp>
+      </p:grpSp>
+      <p:grpSp>
+        <p:nvGrpSpPr>
+          <p:cNvPr id="47" name="组合 46">
+            <a:extLst>
+              <a:ext uri="{FF2B5EF4-FFF2-40B4-BE49-F238E27FC236}">
+                <a16:creationId xmlns:a16="http://schemas.microsoft.com/office/drawing/2014/main" id="{FBD42B5E-4D43-4698-BE44-00F8F3C603E5}"/>
+              </a:ext>
+            </a:extLst>
+          </p:cNvPr>
+          <p:cNvGrpSpPr/>
+          <p:nvPr/>
+        </p:nvGrpSpPr>
+        <p:grpSpPr>
+          <a:xfrm>
+            <a:off x="2800981" y="2936340"/>
+            <a:ext cx="5031706" cy="2605613"/>
+            <a:chOff x="2665515" y="2623073"/>
+            <a:chExt cx="5031706" cy="2605613"/>
+          </a:xfrm>
+        </p:grpSpPr>
+        <p:sp>
+          <p:nvSpPr>
+            <p:cNvPr id="6" name="文本框 5">
+              <a:extLst>
+                <a:ext uri="{FF2B5EF4-FFF2-40B4-BE49-F238E27FC236}">
+                  <a16:creationId xmlns:a16="http://schemas.microsoft.com/office/drawing/2014/main" id="{9D4FFAF4-5BDC-446F-8B76-2EAC62D05647}"/>
+                </a:ext>
+              </a:extLst>
+            </p:cNvPr>
+            <p:cNvSpPr txBox="1"/>
+            <p:nvPr/>
+          </p:nvSpPr>
+          <p:spPr>
+            <a:xfrm>
+              <a:off x="2665515" y="3739316"/>
+              <a:ext cx="1643399" cy="369332"/>
+            </a:xfrm>
+            <a:prstGeom prst="rect">
+              <a:avLst/>
+            </a:prstGeom>
+            <a:noFill/>
+          </p:spPr>
+          <p:txBody>
+            <a:bodyPr wrap="none" rtlCol="0">
+              <a:spAutoFit/>
+            </a:bodyPr>
+            <a:lstStyle/>
+            <a:p>
+              <a:r>
+                <a:rPr lang="en-US" altLang="zh-CN" dirty="0"/>
+                <a:t>SIMD</a:t>
+              </a:r>
+              <a:r>
+                <a:rPr lang="zh-CN" altLang="en-US" dirty="0"/>
+                <a:t>运行流程</a:t>
+              </a:r>
+            </a:p>
+          </p:txBody>
+        </p:sp>
+        <p:grpSp>
+          <p:nvGrpSpPr>
+            <p:cNvPr id="38" name="组合 37">
+              <a:extLst>
+                <a:ext uri="{FF2B5EF4-FFF2-40B4-BE49-F238E27FC236}">
+                  <a16:creationId xmlns:a16="http://schemas.microsoft.com/office/drawing/2014/main" id="{2FF79B76-5B31-4902-9A22-28F88BFEF692}"/>
+                </a:ext>
+              </a:extLst>
+            </p:cNvPr>
+            <p:cNvGrpSpPr/>
+            <p:nvPr/>
+          </p:nvGrpSpPr>
+          <p:grpSpPr>
+            <a:xfrm>
+              <a:off x="4522208" y="2623073"/>
+              <a:ext cx="3175013" cy="2605613"/>
+              <a:chOff x="4762295" y="3209081"/>
+              <a:chExt cx="3175013" cy="2605613"/>
+            </a:xfrm>
+          </p:grpSpPr>
+          <p:grpSp>
+            <p:nvGrpSpPr>
+              <p:cNvPr id="17" name="组合 16">
+                <a:extLst>
+                  <a:ext uri="{FF2B5EF4-FFF2-40B4-BE49-F238E27FC236}">
+                    <a16:creationId xmlns:a16="http://schemas.microsoft.com/office/drawing/2014/main" id="{52308B91-D111-4E53-B19D-2E7994EA1257}"/>
+                  </a:ext>
+                </a:extLst>
+              </p:cNvPr>
+              <p:cNvGrpSpPr/>
+              <p:nvPr/>
+            </p:nvGrpSpPr>
+            <p:grpSpPr>
+              <a:xfrm>
+                <a:off x="5233941" y="3863659"/>
+                <a:ext cx="2703367" cy="647554"/>
+                <a:chOff x="3306656" y="1533671"/>
+                <a:chExt cx="2703367" cy="647554"/>
+              </a:xfrm>
+            </p:grpSpPr>
+            <p:sp>
+              <p:nvSpPr>
+                <p:cNvPr id="9" name="文本框 8">
+                  <a:extLst>
+                    <a:ext uri="{FF2B5EF4-FFF2-40B4-BE49-F238E27FC236}">
+                      <a16:creationId xmlns:a16="http://schemas.microsoft.com/office/drawing/2014/main" id="{DB32501E-4E0B-4FAA-AF49-BC4DF0F84AEA}"/>
+                    </a:ext>
+                  </a:extLst>
+                </p:cNvPr>
+                <p:cNvSpPr txBox="1"/>
+                <p:nvPr/>
+              </p:nvSpPr>
+              <p:spPr>
+                <a:xfrm>
+                  <a:off x="3306656" y="1672170"/>
+                  <a:ext cx="1226618" cy="369332"/>
+                </a:xfrm>
+                <a:prstGeom prst="rect">
+                  <a:avLst/>
+                </a:prstGeom>
+                <a:noFill/>
+              </p:spPr>
+              <p:txBody>
+                <a:bodyPr wrap="none" rtlCol="0">
+                  <a:spAutoFit/>
+                </a:bodyPr>
+                <a:lstStyle/>
+                <a:p>
+                  <a:r>
+                    <a:rPr lang="en-US" altLang="zh-CN" dirty="0"/>
+                    <a:t>SIMD</a:t>
+                  </a:r>
+                  <a:r>
+                    <a:rPr lang="zh-CN" altLang="en-US" dirty="0"/>
+                    <a:t>运算</a:t>
+                  </a:r>
+                </a:p>
+              </p:txBody>
+            </p:sp>
+            <p:sp>
+              <p:nvSpPr>
+                <p:cNvPr id="12" name="文本框 11">
+                  <a:extLst>
+                    <a:ext uri="{FF2B5EF4-FFF2-40B4-BE49-F238E27FC236}">
+                      <a16:creationId xmlns:a16="http://schemas.microsoft.com/office/drawing/2014/main" id="{017F3147-4807-48D0-BAFB-6F38AF8B4076}"/>
+                    </a:ext>
+                  </a:extLst>
+                </p:cNvPr>
+                <p:cNvSpPr txBox="1"/>
+                <p:nvPr/>
+              </p:nvSpPr>
+              <p:spPr>
+                <a:xfrm>
+                  <a:off x="4626311" y="1533671"/>
+                  <a:ext cx="1383712" cy="646331"/>
+                </a:xfrm>
+                <a:prstGeom prst="rect">
+                  <a:avLst/>
+                </a:prstGeom>
+                <a:noFill/>
+              </p:spPr>
+              <p:txBody>
+                <a:bodyPr wrap="none" rtlCol="0">
+                  <a:spAutoFit/>
+                </a:bodyPr>
+                <a:lstStyle/>
+                <a:p>
+                  <a:r>
+                    <a:rPr lang="zh-CN" altLang="en-US" dirty="0"/>
+                    <a:t>相关运算符</a:t>
+                  </a:r>
+                  <a:endParaRPr lang="en-US" altLang="zh-CN" dirty="0"/>
+                </a:p>
+                <a:p>
+                  <a:r>
+                    <a:rPr lang="zh-CN" altLang="en-US" dirty="0"/>
+                    <a:t>相关宏定义</a:t>
+                  </a:r>
+                </a:p>
+              </p:txBody>
+            </p:sp>
+            <p:sp>
+              <p:nvSpPr>
+                <p:cNvPr id="16" name="左大括号 15">
+                  <a:extLst>
+                    <a:ext uri="{FF2B5EF4-FFF2-40B4-BE49-F238E27FC236}">
+                      <a16:creationId xmlns:a16="http://schemas.microsoft.com/office/drawing/2014/main" id="{D508C556-22A3-41E1-A677-58BA60DE5106}"/>
+                    </a:ext>
+                  </a:extLst>
+                </p:cNvPr>
+                <p:cNvSpPr/>
+                <p:nvPr/>
+              </p:nvSpPr>
+              <p:spPr>
+                <a:xfrm>
+                  <a:off x="4440237" y="1534894"/>
+                  <a:ext cx="186074" cy="646331"/>
+                </a:xfrm>
+                <a:prstGeom prst="leftBrace">
+                  <a:avLst>
+                    <a:gd name="adj1" fmla="val 86838"/>
+                    <a:gd name="adj2" fmla="val 50000"/>
+                  </a:avLst>
+                </a:prstGeom>
+              </p:spPr>
+              <p:style>
+                <a:lnRef idx="1">
+                  <a:schemeClr val="dk1"/>
+                </a:lnRef>
+                <a:fillRef idx="0">
+                  <a:schemeClr val="dk1"/>
+                </a:fillRef>
+                <a:effectRef idx="0">
+                  <a:schemeClr val="dk1"/>
+                </a:effectRef>
+                <a:fontRef idx="minor">
+                  <a:schemeClr val="tx1"/>
+                </a:fontRef>
+              </p:style>
+              <p:txBody>
+                <a:bodyPr rtlCol="0" anchor="ctr"/>
+                <a:lstStyle/>
+                <a:p>
+                  <a:pPr algn="ctr"/>
+                  <a:endParaRPr lang="zh-CN" altLang="en-US" dirty="0"/>
+                </a:p>
+              </p:txBody>
+            </p:sp>
+          </p:grpSp>
+          <p:grpSp>
+            <p:nvGrpSpPr>
+              <p:cNvPr id="23" name="组合 22">
+                <a:extLst>
+                  <a:ext uri="{FF2B5EF4-FFF2-40B4-BE49-F238E27FC236}">
+                    <a16:creationId xmlns:a16="http://schemas.microsoft.com/office/drawing/2014/main" id="{F88489F3-F8F6-4881-AEE7-E68B40CF8D5E}"/>
+                  </a:ext>
+                </a:extLst>
+              </p:cNvPr>
+              <p:cNvGrpSpPr/>
+              <p:nvPr/>
+            </p:nvGrpSpPr>
+            <p:grpSpPr>
+              <a:xfrm>
+                <a:off x="4762295" y="4790784"/>
+                <a:ext cx="3168743" cy="369332"/>
+                <a:chOff x="4756594" y="4027042"/>
+                <a:chExt cx="3168743" cy="369332"/>
+              </a:xfrm>
+            </p:grpSpPr>
+            <p:sp>
+              <p:nvSpPr>
+                <p:cNvPr id="8" name="文本框 7">
+                  <a:extLst>
+                    <a:ext uri="{FF2B5EF4-FFF2-40B4-BE49-F238E27FC236}">
+                      <a16:creationId xmlns:a16="http://schemas.microsoft.com/office/drawing/2014/main" id="{38222FB6-3EA7-43C6-891B-4032E5CB31B8}"/>
+                    </a:ext>
+                  </a:extLst>
+                </p:cNvPr>
+                <p:cNvSpPr txBox="1"/>
+                <p:nvPr/>
+              </p:nvSpPr>
+              <p:spPr>
+                <a:xfrm>
+                  <a:off x="4756594" y="4027042"/>
+                  <a:ext cx="1632178" cy="369332"/>
+                </a:xfrm>
+                <a:prstGeom prst="rect">
+                  <a:avLst/>
+                </a:prstGeom>
+                <a:noFill/>
+              </p:spPr>
+              <p:txBody>
+                <a:bodyPr wrap="none" rtlCol="0">
+                  <a:spAutoFit/>
+                </a:bodyPr>
+                <a:lstStyle/>
+                <a:p>
+                  <a:r>
+                    <a:rPr lang="en-US" altLang="zh-CN" dirty="0"/>
+                    <a:t>SIMD</a:t>
+                  </a:r>
+                  <a:r>
+                    <a:rPr lang="zh-CN" altLang="en-US" dirty="0"/>
+                    <a:t>读出数据</a:t>
+                  </a:r>
+                </a:p>
+              </p:txBody>
+            </p:sp>
+            <p:sp>
+              <p:nvSpPr>
+                <p:cNvPr id="21" name="左大括号 20">
+                  <a:extLst>
+                    <a:ext uri="{FF2B5EF4-FFF2-40B4-BE49-F238E27FC236}">
+                      <a16:creationId xmlns:a16="http://schemas.microsoft.com/office/drawing/2014/main" id="{B41E34EE-2EEA-4C69-BC13-195E416643AF}"/>
+                    </a:ext>
+                  </a:extLst>
+                </p:cNvPr>
+                <p:cNvSpPr/>
+                <p:nvPr/>
+              </p:nvSpPr>
+              <p:spPr>
+                <a:xfrm>
+                  <a:off x="6388772" y="4027042"/>
+                  <a:ext cx="186074" cy="369332"/>
+                </a:xfrm>
+                <a:prstGeom prst="leftBrace">
+                  <a:avLst>
+                    <a:gd name="adj1" fmla="val 86838"/>
+                    <a:gd name="adj2" fmla="val 50000"/>
+                  </a:avLst>
+                </a:prstGeom>
+              </p:spPr>
+              <p:style>
+                <a:lnRef idx="1">
+                  <a:schemeClr val="dk1"/>
+                </a:lnRef>
+                <a:fillRef idx="0">
+                  <a:schemeClr val="dk1"/>
+                </a:fillRef>
+                <a:effectRef idx="0">
+                  <a:schemeClr val="dk1"/>
+                </a:effectRef>
+                <a:fontRef idx="minor">
+                  <a:schemeClr val="tx1"/>
+                </a:fontRef>
+              </p:style>
+              <p:txBody>
+                <a:bodyPr rtlCol="0" anchor="ctr"/>
+                <a:lstStyle/>
+                <a:p>
+                  <a:pPr algn="ctr"/>
+                  <a:endParaRPr lang="zh-CN" altLang="en-US" dirty="0"/>
+                </a:p>
+              </p:txBody>
+            </p:sp>
+            <p:sp>
+              <p:nvSpPr>
+                <p:cNvPr id="22" name="矩形 21">
+                  <a:extLst>
+                    <a:ext uri="{FF2B5EF4-FFF2-40B4-BE49-F238E27FC236}">
+                      <a16:creationId xmlns:a16="http://schemas.microsoft.com/office/drawing/2014/main" id="{70693EAC-7D8F-4243-9012-1ED33C307B80}"/>
+                    </a:ext>
+                  </a:extLst>
+                </p:cNvPr>
+                <p:cNvSpPr/>
+                <p:nvPr/>
+              </p:nvSpPr>
+              <p:spPr>
+                <a:xfrm>
+                  <a:off x="6586509" y="4027042"/>
+                  <a:ext cx="1338828" cy="369332"/>
+                </a:xfrm>
+                <a:prstGeom prst="rect">
+                  <a:avLst/>
+                </a:prstGeom>
+              </p:spPr>
+              <p:txBody>
+                <a:bodyPr wrap="none">
+                  <a:spAutoFit/>
+                </a:bodyPr>
+                <a:lstStyle/>
+                <a:p>
+                  <a:r>
+                    <a:rPr lang="zh-CN" altLang="en-US" dirty="0"/>
+                    <a:t>相关宏定义</a:t>
+                  </a:r>
+                  <a:endParaRPr lang="en-US" altLang="zh-CN" dirty="0"/>
+                </a:p>
+              </p:txBody>
+            </p:sp>
+          </p:grpSp>
+          <p:grpSp>
+            <p:nvGrpSpPr>
+              <p:cNvPr id="26" name="组合 25">
+                <a:extLst>
+                  <a:ext uri="{FF2B5EF4-FFF2-40B4-BE49-F238E27FC236}">
+                    <a16:creationId xmlns:a16="http://schemas.microsoft.com/office/drawing/2014/main" id="{C743FD4D-91C3-4DD8-AC14-840151C45088}"/>
+                  </a:ext>
+                </a:extLst>
+              </p:cNvPr>
+              <p:cNvGrpSpPr/>
+              <p:nvPr/>
+            </p:nvGrpSpPr>
+            <p:grpSpPr>
+              <a:xfrm>
+                <a:off x="4762295" y="5445362"/>
+                <a:ext cx="3151379" cy="369332"/>
+                <a:chOff x="4762295" y="5445362"/>
+                <a:chExt cx="3151379" cy="369332"/>
+              </a:xfrm>
+            </p:grpSpPr>
+            <p:sp>
+              <p:nvSpPr>
+                <p:cNvPr id="10" name="文本框 9">
+                  <a:extLst>
+                    <a:ext uri="{FF2B5EF4-FFF2-40B4-BE49-F238E27FC236}">
+                      <a16:creationId xmlns:a16="http://schemas.microsoft.com/office/drawing/2014/main" id="{9B488DC4-43E7-43A2-B829-45A0B3EB23E2}"/>
+                    </a:ext>
+                  </a:extLst>
+                </p:cNvPr>
+                <p:cNvSpPr txBox="1"/>
+                <p:nvPr/>
+              </p:nvSpPr>
+              <p:spPr>
+                <a:xfrm>
+                  <a:off x="4762295" y="5445362"/>
+                  <a:ext cx="1643399" cy="369332"/>
+                </a:xfrm>
+                <a:prstGeom prst="rect">
+                  <a:avLst/>
+                </a:prstGeom>
+                <a:noFill/>
+              </p:spPr>
+              <p:txBody>
+                <a:bodyPr wrap="none" rtlCol="0">
+                  <a:spAutoFit/>
+                </a:bodyPr>
+                <a:lstStyle/>
+                <a:p>
+                  <a:r>
+                    <a:rPr lang="en-US" altLang="zh-CN" dirty="0"/>
+                    <a:t>SIMD</a:t>
+                  </a:r>
+                  <a:r>
+                    <a:rPr lang="zh-CN" altLang="en-US" dirty="0"/>
+                    <a:t>打印数据</a:t>
+                  </a:r>
+                </a:p>
+              </p:txBody>
+            </p:sp>
+            <p:sp>
+              <p:nvSpPr>
+                <p:cNvPr id="24" name="左大括号 23">
+                  <a:extLst>
+                    <a:ext uri="{FF2B5EF4-FFF2-40B4-BE49-F238E27FC236}">
+                      <a16:creationId xmlns:a16="http://schemas.microsoft.com/office/drawing/2014/main" id="{E5040731-CBE3-4BA2-B9B3-3E46FB609C6D}"/>
+                    </a:ext>
+                  </a:extLst>
+                </p:cNvPr>
+                <p:cNvSpPr/>
+                <p:nvPr/>
+              </p:nvSpPr>
+              <p:spPr>
+                <a:xfrm>
+                  <a:off x="6377109" y="5445362"/>
+                  <a:ext cx="186074" cy="369332"/>
+                </a:xfrm>
+                <a:prstGeom prst="leftBrace">
+                  <a:avLst>
+                    <a:gd name="adj1" fmla="val 86838"/>
+                    <a:gd name="adj2" fmla="val 50000"/>
+                  </a:avLst>
+                </a:prstGeom>
+              </p:spPr>
+              <p:style>
+                <a:lnRef idx="1">
+                  <a:schemeClr val="dk1"/>
+                </a:lnRef>
+                <a:fillRef idx="0">
+                  <a:schemeClr val="dk1"/>
+                </a:fillRef>
+                <a:effectRef idx="0">
+                  <a:schemeClr val="dk1"/>
+                </a:effectRef>
+                <a:fontRef idx="minor">
+                  <a:schemeClr val="tx1"/>
+                </a:fontRef>
+              </p:style>
+              <p:txBody>
+                <a:bodyPr rtlCol="0" anchor="ctr"/>
+                <a:lstStyle/>
+                <a:p>
+                  <a:pPr algn="ctr"/>
+                  <a:endParaRPr lang="zh-CN" altLang="en-US" dirty="0"/>
+                </a:p>
+              </p:txBody>
+            </p:sp>
+            <p:sp>
+              <p:nvSpPr>
+                <p:cNvPr id="25" name="矩形 24">
+                  <a:extLst>
+                    <a:ext uri="{FF2B5EF4-FFF2-40B4-BE49-F238E27FC236}">
+                      <a16:creationId xmlns:a16="http://schemas.microsoft.com/office/drawing/2014/main" id="{6A8AF636-AB64-4240-9EB7-8FF43FF50F6D}"/>
+                    </a:ext>
+                  </a:extLst>
+                </p:cNvPr>
+                <p:cNvSpPr/>
+                <p:nvPr/>
+              </p:nvSpPr>
+              <p:spPr>
+                <a:xfrm>
+                  <a:off x="6574846" y="5445362"/>
+                  <a:ext cx="1338828" cy="369332"/>
+                </a:xfrm>
+                <a:prstGeom prst="rect">
+                  <a:avLst/>
+                </a:prstGeom>
+              </p:spPr>
+              <p:txBody>
+                <a:bodyPr wrap="none">
+                  <a:spAutoFit/>
+                </a:bodyPr>
+                <a:lstStyle/>
+                <a:p>
+                  <a:r>
+                    <a:rPr lang="zh-CN" altLang="en-US" dirty="0"/>
+                    <a:t>相关宏定义</a:t>
+                  </a:r>
+                  <a:endParaRPr lang="en-US" altLang="zh-CN" dirty="0"/>
+                </a:p>
+              </p:txBody>
+            </p:sp>
+          </p:grpSp>
+          <p:grpSp>
+            <p:nvGrpSpPr>
+              <p:cNvPr id="34" name="组合 33">
+                <a:extLst>
+                  <a:ext uri="{FF2B5EF4-FFF2-40B4-BE49-F238E27FC236}">
+                    <a16:creationId xmlns:a16="http://schemas.microsoft.com/office/drawing/2014/main" id="{05FBE2C6-C2F8-43AF-9578-CDB285833F80}"/>
+                  </a:ext>
+                </a:extLst>
+              </p:cNvPr>
+              <p:cNvGrpSpPr/>
+              <p:nvPr/>
+            </p:nvGrpSpPr>
+            <p:grpSpPr>
+              <a:xfrm>
+                <a:off x="4762295" y="3209081"/>
+                <a:ext cx="3168743" cy="369332"/>
+                <a:chOff x="4756594" y="4027042"/>
+                <a:chExt cx="3168743" cy="369332"/>
+              </a:xfrm>
+            </p:grpSpPr>
+            <p:sp>
+              <p:nvSpPr>
+                <p:cNvPr id="35" name="文本框 34">
+                  <a:extLst>
+                    <a:ext uri="{FF2B5EF4-FFF2-40B4-BE49-F238E27FC236}">
+                      <a16:creationId xmlns:a16="http://schemas.microsoft.com/office/drawing/2014/main" id="{52BEA5D7-1A76-4DDD-8724-A6D78A086133}"/>
+                    </a:ext>
+                  </a:extLst>
+                </p:cNvPr>
+                <p:cNvSpPr txBox="1"/>
+                <p:nvPr/>
+              </p:nvSpPr>
+              <p:spPr>
+                <a:xfrm>
+                  <a:off x="4756594" y="4027042"/>
+                  <a:ext cx="1643399" cy="369332"/>
+                </a:xfrm>
+                <a:prstGeom prst="rect">
+                  <a:avLst/>
+                </a:prstGeom>
+                <a:noFill/>
+              </p:spPr>
+              <p:txBody>
+                <a:bodyPr wrap="none" rtlCol="0">
+                  <a:spAutoFit/>
+                </a:bodyPr>
+                <a:lstStyle/>
+                <a:p>
+                  <a:r>
+                    <a:rPr lang="en-US" altLang="zh-CN" dirty="0"/>
+                    <a:t>SIMD</a:t>
+                  </a:r>
+                  <a:r>
+                    <a:rPr lang="zh-CN" altLang="en-US" dirty="0"/>
+                    <a:t>读入数据</a:t>
+                  </a:r>
+                </a:p>
+              </p:txBody>
+            </p:sp>
+            <p:sp>
+              <p:nvSpPr>
+                <p:cNvPr id="36" name="左大括号 35">
+                  <a:extLst>
+                    <a:ext uri="{FF2B5EF4-FFF2-40B4-BE49-F238E27FC236}">
+                      <a16:creationId xmlns:a16="http://schemas.microsoft.com/office/drawing/2014/main" id="{F9D7707C-60EE-4179-8361-60ECF4AE22D1}"/>
+                    </a:ext>
+                  </a:extLst>
+                </p:cNvPr>
+                <p:cNvSpPr/>
+                <p:nvPr/>
+              </p:nvSpPr>
+              <p:spPr>
+                <a:xfrm>
+                  <a:off x="6388772" y="4027042"/>
+                  <a:ext cx="186074" cy="369332"/>
+                </a:xfrm>
+                <a:prstGeom prst="leftBrace">
+                  <a:avLst>
+                    <a:gd name="adj1" fmla="val 86838"/>
+                    <a:gd name="adj2" fmla="val 50000"/>
+                  </a:avLst>
+                </a:prstGeom>
+              </p:spPr>
+              <p:style>
+                <a:lnRef idx="1">
+                  <a:schemeClr val="dk1"/>
+                </a:lnRef>
+                <a:fillRef idx="0">
+                  <a:schemeClr val="dk1"/>
+                </a:fillRef>
+                <a:effectRef idx="0">
+                  <a:schemeClr val="dk1"/>
+                </a:effectRef>
+                <a:fontRef idx="minor">
+                  <a:schemeClr val="tx1"/>
+                </a:fontRef>
+              </p:style>
+              <p:txBody>
+                <a:bodyPr rtlCol="0" anchor="ctr"/>
+                <a:lstStyle/>
+                <a:p>
+                  <a:pPr algn="ctr"/>
+                  <a:endParaRPr lang="zh-CN" altLang="en-US" dirty="0"/>
+                </a:p>
+              </p:txBody>
+            </p:sp>
+            <p:sp>
+              <p:nvSpPr>
+                <p:cNvPr id="37" name="矩形 36">
+                  <a:extLst>
+                    <a:ext uri="{FF2B5EF4-FFF2-40B4-BE49-F238E27FC236}">
+                      <a16:creationId xmlns:a16="http://schemas.microsoft.com/office/drawing/2014/main" id="{B4BCC10C-7A7F-4921-9D23-60C04A52A62A}"/>
+                    </a:ext>
+                  </a:extLst>
+                </p:cNvPr>
+                <p:cNvSpPr/>
+                <p:nvPr/>
+              </p:nvSpPr>
+              <p:spPr>
+                <a:xfrm>
+                  <a:off x="6586509" y="4027042"/>
+                  <a:ext cx="1338828" cy="369332"/>
+                </a:xfrm>
+                <a:prstGeom prst="rect">
+                  <a:avLst/>
+                </a:prstGeom>
+              </p:spPr>
+              <p:txBody>
+                <a:bodyPr wrap="none">
+                  <a:spAutoFit/>
+                </a:bodyPr>
+                <a:lstStyle/>
+                <a:p>
+                  <a:r>
+                    <a:rPr lang="zh-CN" altLang="en-US" dirty="0"/>
+                    <a:t>相关宏定义</a:t>
+                  </a:r>
+                  <a:endParaRPr lang="en-US" altLang="zh-CN" dirty="0"/>
+                </a:p>
+              </p:txBody>
+            </p:sp>
+          </p:grpSp>
+        </p:grpSp>
+        <p:sp>
+          <p:nvSpPr>
+            <p:cNvPr id="39" name="左大括号 38">
+              <a:extLst>
+                <a:ext uri="{FF2B5EF4-FFF2-40B4-BE49-F238E27FC236}">
+                  <a16:creationId xmlns:a16="http://schemas.microsoft.com/office/drawing/2014/main" id="{F7144325-BBAB-47C2-982E-15FC630E7F50}"/>
+                </a:ext>
+              </a:extLst>
+            </p:cNvPr>
+            <p:cNvSpPr/>
+            <p:nvPr/>
+          </p:nvSpPr>
+          <p:spPr>
+            <a:xfrm>
+              <a:off x="4308914" y="2623073"/>
+              <a:ext cx="186074" cy="2605613"/>
+            </a:xfrm>
+            <a:prstGeom prst="leftBrace">
+              <a:avLst>
+                <a:gd name="adj1" fmla="val 86838"/>
+                <a:gd name="adj2" fmla="val 50000"/>
+              </a:avLst>
+            </a:prstGeom>
+          </p:spPr>
+          <p:style>
+            <a:lnRef idx="1">
+              <a:schemeClr val="dk1"/>
+            </a:lnRef>
+            <a:fillRef idx="0">
+              <a:schemeClr val="dk1"/>
+            </a:fillRef>
+            <a:effectRef idx="0">
+              <a:schemeClr val="dk1"/>
+            </a:effectRef>
+            <a:fontRef idx="minor">
+              <a:schemeClr val="tx1"/>
+            </a:fontRef>
+          </p:style>
+          <p:txBody>
+            <a:bodyPr rtlCol="0" anchor="ctr"/>
+            <a:lstStyle/>
+            <a:p>
+              <a:pPr algn="ctr"/>
+              <a:endParaRPr lang="zh-CN" altLang="en-US" dirty="0"/>
+            </a:p>
+          </p:txBody>
+        </p:sp>
+      </p:grpSp>
+      <p:sp>
+        <p:nvSpPr>
+          <p:cNvPr id="40" name="文本框 39">
+            <a:extLst>
+              <a:ext uri="{FF2B5EF4-FFF2-40B4-BE49-F238E27FC236}">
+                <a16:creationId xmlns:a16="http://schemas.microsoft.com/office/drawing/2014/main" id="{A122F355-340E-458A-9A8B-19D866D4E020}"/>
+              </a:ext>
+            </a:extLst>
+          </p:cNvPr>
+          <p:cNvSpPr txBox="1"/>
+          <p:nvPr/>
+        </p:nvSpPr>
+        <p:spPr>
+          <a:xfrm>
+            <a:off x="8550866" y="2936340"/>
+            <a:ext cx="1107996" cy="369332"/>
+          </a:xfrm>
+          <a:prstGeom prst="rect">
+            <a:avLst/>
+          </a:prstGeom>
+          <a:noFill/>
+        </p:spPr>
+        <p:txBody>
+          <a:bodyPr wrap="none" rtlCol="0">
+            <a:spAutoFit/>
+          </a:bodyPr>
+          <a:lstStyle/>
+          <a:p>
+            <a:r>
+              <a:rPr lang="zh-CN" altLang="en-US" dirty="0"/>
+              <a:t>对界问题</a:t>
+            </a:r>
+          </a:p>
+        </p:txBody>
+      </p:sp>
+      <p:cxnSp>
+        <p:nvCxnSpPr>
+          <p:cNvPr id="42" name="直接箭头连接符 41">
+            <a:extLst>
+              <a:ext uri="{FF2B5EF4-FFF2-40B4-BE49-F238E27FC236}">
+                <a16:creationId xmlns:a16="http://schemas.microsoft.com/office/drawing/2014/main" id="{CE53C919-8860-4D69-8BF0-C4A1DF81FE97}"/>
+              </a:ext>
+            </a:extLst>
+          </p:cNvPr>
+          <p:cNvCxnSpPr>
+            <a:cxnSpLocks/>
+            <a:stCxn id="37" idx="3"/>
+            <a:endCxn id="40" idx="1"/>
+          </p:cNvCxnSpPr>
+          <p:nvPr/>
+        </p:nvCxnSpPr>
+        <p:spPr>
+          <a:xfrm>
+            <a:off x="7826417" y="3121006"/>
+            <a:ext cx="724449" cy="0"/>
+          </a:xfrm>
+          <a:prstGeom prst="straightConnector1">
+            <a:avLst/>
+          </a:prstGeom>
+          <a:ln>
+            <a:tailEnd type="triangle"/>
+          </a:ln>
+        </p:spPr>
+        <p:style>
+          <a:lnRef idx="1">
+            <a:schemeClr val="dk1"/>
+          </a:lnRef>
+          <a:fillRef idx="0">
+            <a:schemeClr val="dk1"/>
+          </a:fillRef>
+          <a:effectRef idx="0">
+            <a:schemeClr val="dk1"/>
+          </a:effectRef>
+          <a:fontRef idx="minor">
+            <a:schemeClr val="tx1"/>
+          </a:fontRef>
+        </p:style>
+      </p:cxnSp>
+      <p:cxnSp>
+        <p:nvCxnSpPr>
+          <p:cNvPr id="46" name="连接符: 肘形 45">
+            <a:extLst>
+              <a:ext uri="{FF2B5EF4-FFF2-40B4-BE49-F238E27FC236}">
+                <a16:creationId xmlns:a16="http://schemas.microsoft.com/office/drawing/2014/main" id="{CF5AA952-AB98-4F75-8EBD-21E19418E30B}"/>
+              </a:ext>
+            </a:extLst>
+          </p:cNvPr>
+          <p:cNvCxnSpPr>
+            <a:stCxn id="22" idx="3"/>
+            <a:endCxn id="40" idx="2"/>
+          </p:cNvCxnSpPr>
+          <p:nvPr/>
+        </p:nvCxnSpPr>
+        <p:spPr>
+          <a:xfrm flipV="1">
+            <a:off x="7826417" y="3305672"/>
+            <a:ext cx="1278447" cy="1397037"/>
+          </a:xfrm>
+          <a:prstGeom prst="bentConnector2">
+            <a:avLst/>
+          </a:prstGeom>
+          <a:ln>
+            <a:tailEnd type="triangle"/>
+          </a:ln>
+        </p:spPr>
+        <p:style>
+          <a:lnRef idx="1">
+            <a:schemeClr val="dk1"/>
+          </a:lnRef>
+          <a:fillRef idx="0">
+            <a:schemeClr val="dk1"/>
+          </a:fillRef>
+          <a:effectRef idx="0">
+            <a:schemeClr val="dk1"/>
+          </a:effectRef>
+          <a:fontRef idx="minor">
+            <a:schemeClr val="tx1"/>
+          </a:fontRef>
+        </p:style>
+      </p:cxnSp>
+    </p:spTree>
+    <p:extLst>
+      <p:ext uri="{BB962C8B-B14F-4D97-AF65-F5344CB8AC3E}">
+        <p14:creationId xmlns:p14="http://schemas.microsoft.com/office/powerpoint/2010/main" val="3073469600"/>
+      </p:ext>
+    </p:extLst>
+  </p:cSld>
+  <p:clrMapOvr>
+    <a:masterClrMapping/>
+  </p:clrMapOvr>
+</p:sld>
+</file>
+
 <file path=ppt/theme/theme1.xml><?xml version="1.0" encoding="utf-8"?>
 <a:theme xmlns:a="http://schemas.openxmlformats.org/drawingml/2006/main" name="Office 主题​​">
   <a:themeElements>
